--- a/Aula09-Formulários no Flutter/Aula09-Formulários no Flutter.pptx
+++ b/Aula09-Formulários no Flutter/Aula09-Formulários no Flutter.pptx
@@ -28,7 +28,7 @@
       <p:boldItalic r:id="rId16"/>
     </p:embeddedFont>
     <p:embeddedFont>
-      <p:font typeface="Lato Bold" panose="020F0502020204030203" pitchFamily="34" charset="0"/>
+      <p:font typeface="Lato Bold" panose="020F0502020204030203" charset="0"/>
       <p:regular r:id="rId17"/>
       <p:bold r:id="rId18"/>
     </p:embeddedFont>
@@ -40,7 +40,7 @@
       <p:boldItalic r:id="rId22"/>
     </p:embeddedFont>
     <p:embeddedFont>
-      <p:font typeface="Poppins Bold" panose="00000800000000000000" pitchFamily="2" charset="0"/>
+      <p:font typeface="Poppins Bold" panose="00000800000000000000" charset="0"/>
       <p:regular r:id="rId23"/>
       <p:bold r:id="rId24"/>
     </p:embeddedFont>
@@ -351,7 +351,7 @@
             <a:fld id="{1D8BD707-D9CF-40AE-B4C6-C98DA3205C09}" type="datetimeFigureOut">
               <a:rPr lang="en-US" smtClean="0"/>
               <a:pPr/>
-              <a:t>3/31/2024</a:t>
+              <a:t>11/24/2025</a:t>
             </a:fld>
             <a:endParaRPr lang="en-US"/>
           </a:p>
@@ -516,7 +516,7 @@
             <a:fld id="{1D8BD707-D9CF-40AE-B4C6-C98DA3205C09}" type="datetimeFigureOut">
               <a:rPr lang="en-US" smtClean="0"/>
               <a:pPr/>
-              <a:t>3/31/2024</a:t>
+              <a:t>11/24/2025</a:t>
             </a:fld>
             <a:endParaRPr lang="en-US"/>
           </a:p>
@@ -691,7 +691,7 @@
             <a:fld id="{1D8BD707-D9CF-40AE-B4C6-C98DA3205C09}" type="datetimeFigureOut">
               <a:rPr lang="en-US" smtClean="0"/>
               <a:pPr/>
-              <a:t>3/31/2024</a:t>
+              <a:t>11/24/2025</a:t>
             </a:fld>
             <a:endParaRPr lang="en-US"/>
           </a:p>
@@ -856,7 +856,7 @@
             <a:fld id="{1D8BD707-D9CF-40AE-B4C6-C98DA3205C09}" type="datetimeFigureOut">
               <a:rPr lang="en-US" smtClean="0"/>
               <a:pPr/>
-              <a:t>3/31/2024</a:t>
+              <a:t>11/24/2025</a:t>
             </a:fld>
             <a:endParaRPr lang="en-US"/>
           </a:p>
@@ -1098,7 +1098,7 @@
             <a:fld id="{1D8BD707-D9CF-40AE-B4C6-C98DA3205C09}" type="datetimeFigureOut">
               <a:rPr lang="en-US" smtClean="0"/>
               <a:pPr/>
-              <a:t>3/31/2024</a:t>
+              <a:t>11/24/2025</a:t>
             </a:fld>
             <a:endParaRPr lang="en-US"/>
           </a:p>
@@ -1380,7 +1380,7 @@
             <a:fld id="{1D8BD707-D9CF-40AE-B4C6-C98DA3205C09}" type="datetimeFigureOut">
               <a:rPr lang="en-US" smtClean="0"/>
               <a:pPr/>
-              <a:t>3/31/2024</a:t>
+              <a:t>11/24/2025</a:t>
             </a:fld>
             <a:endParaRPr lang="en-US"/>
           </a:p>
@@ -1796,7 +1796,7 @@
             <a:fld id="{1D8BD707-D9CF-40AE-B4C6-C98DA3205C09}" type="datetimeFigureOut">
               <a:rPr lang="en-US" smtClean="0"/>
               <a:pPr/>
-              <a:t>3/31/2024</a:t>
+              <a:t>11/24/2025</a:t>
             </a:fld>
             <a:endParaRPr lang="en-US"/>
           </a:p>
@@ -1910,7 +1910,7 @@
             <a:fld id="{1D8BD707-D9CF-40AE-B4C6-C98DA3205C09}" type="datetimeFigureOut">
               <a:rPr lang="en-US" smtClean="0"/>
               <a:pPr/>
-              <a:t>3/31/2024</a:t>
+              <a:t>11/24/2025</a:t>
             </a:fld>
             <a:endParaRPr lang="en-US"/>
           </a:p>
@@ -2002,7 +2002,7 @@
             <a:fld id="{1D8BD707-D9CF-40AE-B4C6-C98DA3205C09}" type="datetimeFigureOut">
               <a:rPr lang="en-US" smtClean="0"/>
               <a:pPr/>
-              <a:t>3/31/2024</a:t>
+              <a:t>11/24/2025</a:t>
             </a:fld>
             <a:endParaRPr lang="en-US"/>
           </a:p>
@@ -2274,7 +2274,7 @@
             <a:fld id="{1D8BD707-D9CF-40AE-B4C6-C98DA3205C09}" type="datetimeFigureOut">
               <a:rPr lang="en-US" smtClean="0"/>
               <a:pPr/>
-              <a:t>3/31/2024</a:t>
+              <a:t>11/24/2025</a:t>
             </a:fld>
             <a:endParaRPr lang="en-US"/>
           </a:p>
@@ -2523,7 +2523,7 @@
             <a:fld id="{1D8BD707-D9CF-40AE-B4C6-C98DA3205C09}" type="datetimeFigureOut">
               <a:rPr lang="en-US" smtClean="0"/>
               <a:pPr/>
-              <a:t>3/31/2024</a:t>
+              <a:t>11/24/2025</a:t>
             </a:fld>
             <a:endParaRPr lang="en-US"/>
           </a:p>
@@ -2731,7 +2731,7 @@
             <a:fld id="{1D8BD707-D9CF-40AE-B4C6-C98DA3205C09}" type="datetimeFigureOut">
               <a:rPr lang="en-US" smtClean="0"/>
               <a:pPr/>
-              <a:t>3/31/2024</a:t>
+              <a:t>11/24/2025</a:t>
             </a:fld>
             <a:endParaRPr lang="en-US"/>
           </a:p>
@@ -3155,6 +3155,13 @@
               <a:srgbClr val="5271FF"/>
             </a:solidFill>
           </p:spPr>
+          <p:txBody>
+            <a:bodyPr/>
+            <a:lstStyle/>
+            <a:p>
+              <a:endParaRPr lang="pt-BR"/>
+            </a:p>
+          </p:txBody>
         </p:sp>
       </p:grpSp>
       <p:grpSp>
@@ -3229,6 +3236,13 @@
               <a:srgbClr val="FFFFFF"/>
             </a:solidFill>
           </p:spPr>
+          <p:txBody>
+            <a:bodyPr/>
+            <a:lstStyle/>
+            <a:p>
+              <a:endParaRPr lang="pt-BR"/>
+            </a:p>
+          </p:txBody>
         </p:sp>
       </p:grpSp>
       <p:grpSp>
@@ -3303,6 +3317,13 @@
               <a:srgbClr val="2B4A9D"/>
             </a:solidFill>
           </p:spPr>
+          <p:txBody>
+            <a:bodyPr/>
+            <a:lstStyle/>
+            <a:p>
+              <a:endParaRPr lang="pt-BR"/>
+            </a:p>
+          </p:txBody>
         </p:sp>
       </p:grpSp>
       <p:sp>
@@ -3352,7 +3373,7 @@
         <p:spPr>
           <a:xfrm>
             <a:off x="785151" y="7260387"/>
-            <a:ext cx="12616379" cy="547370"/>
+            <a:ext cx="12616379" cy="1105495"/>
           </a:xfrm>
           <a:prstGeom prst="rect">
             <a:avLst/>
@@ -3370,13 +3391,76 @@
               </a:lnSpc>
             </a:pPr>
             <a:r>
-              <a:rPr lang="en-US" sz="3200" spc="320">
-                <a:solidFill>
-                  <a:srgbClr val="000000"/>
-                </a:solidFill>
-                <a:latin typeface="Lato"/>
-              </a:rPr>
-              <a:t>Apresentado por: Eliane Dantas e Natalia Costa</a:t>
+              <a:rPr lang="en-US" sz="3200" spc="320" dirty="0" err="1">
+                <a:solidFill>
+                  <a:srgbClr val="000000"/>
+                </a:solidFill>
+                <a:latin typeface="Lato"/>
+              </a:rPr>
+              <a:t>Apresentado</a:t>
+            </a:r>
+            <a:r>
+              <a:rPr lang="en-US" sz="3200" spc="320" dirty="0">
+                <a:solidFill>
+                  <a:srgbClr val="000000"/>
+                </a:solidFill>
+                <a:latin typeface="Lato"/>
+              </a:rPr>
+              <a:t> </a:t>
+            </a:r>
+            <a:r>
+              <a:rPr lang="en-US" sz="3200" spc="320" dirty="0" err="1">
+                <a:solidFill>
+                  <a:srgbClr val="000000"/>
+                </a:solidFill>
+                <a:latin typeface="Lato"/>
+              </a:rPr>
+              <a:t>por</a:t>
+            </a:r>
+            <a:r>
+              <a:rPr lang="en-US" sz="3200" spc="320" dirty="0">
+                <a:solidFill>
+                  <a:srgbClr val="000000"/>
+                </a:solidFill>
+                <a:latin typeface="Lato"/>
+              </a:rPr>
+              <a:t>: </a:t>
+            </a:r>
+            <a:r>
+              <a:rPr lang="en-US" sz="3200" spc="350" dirty="0">
+                <a:solidFill>
+                  <a:srgbClr val="000000"/>
+                </a:solidFill>
+                <a:latin typeface="Lato"/>
+              </a:rPr>
+              <a:t>João Victor, Paulo Vitor e </a:t>
+            </a:r>
+            <a:r>
+              <a:rPr lang="en-US" sz="3200" spc="350" dirty="0" err="1">
+                <a:solidFill>
+                  <a:srgbClr val="000000"/>
+                </a:solidFill>
+                <a:latin typeface="Lato"/>
+              </a:rPr>
+              <a:t>Talysson</a:t>
+            </a:r>
+            <a:r>
+              <a:rPr lang="en-US" sz="3200" spc="350" dirty="0">
+                <a:solidFill>
+                  <a:srgbClr val="000000"/>
+                </a:solidFill>
+                <a:latin typeface="Lato"/>
+              </a:rPr>
+              <a:t> Vasconcelos </a:t>
+            </a:r>
+            <a:r>
+              <a:rPr lang="en-US" sz="3200" spc="320" dirty="0">
+                <a:solidFill>
+                  <a:srgbClr val="000000"/>
+                </a:solidFill>
+                <a:latin typeface="Lato"/>
+              </a:rPr>
+              <a:t> </a:t>
             </a:r>
           </a:p>
         </p:txBody>
@@ -3433,6 +3517,13 @@
             </a:stretch>
           </a:blipFill>
         </p:spPr>
+        <p:txBody>
+          <a:bodyPr/>
+          <a:lstStyle/>
+          <a:p>
+            <a:endParaRPr lang="pt-BR"/>
+          </a:p>
+        </p:txBody>
       </p:sp>
       <p:grpSp>
         <p:nvGrpSpPr>
@@ -3487,6 +3578,13 @@
               <a:srgbClr val="2B4A9D"/>
             </a:solidFill>
           </p:spPr>
+          <p:txBody>
+            <a:bodyPr/>
+            <a:lstStyle/>
+            <a:p>
+              <a:endParaRPr lang="pt-BR"/>
+            </a:p>
+          </p:txBody>
         </p:sp>
       </p:grpSp>
     </p:spTree>
@@ -3567,6 +3665,13 @@
               <a:srgbClr val="2B4A9D"/>
             </a:solidFill>
           </p:spPr>
+          <p:txBody>
+            <a:bodyPr/>
+            <a:lstStyle/>
+            <a:p>
+              <a:endParaRPr lang="pt-BR"/>
+            </a:p>
+          </p:txBody>
         </p:sp>
       </p:grpSp>
       <p:grpSp>
@@ -3622,6 +3727,13 @@
               <a:srgbClr val="5271FF"/>
             </a:solidFill>
           </p:spPr>
+          <p:txBody>
+            <a:bodyPr/>
+            <a:lstStyle/>
+            <a:p>
+              <a:endParaRPr lang="pt-BR"/>
+            </a:p>
+          </p:txBody>
         </p:sp>
       </p:grpSp>
       <p:grpSp>
@@ -3696,54 +3808,15 @@
               <a:srgbClr val="FFFFFF"/>
             </a:solidFill>
           </p:spPr>
+          <p:txBody>
+            <a:bodyPr/>
+            <a:lstStyle/>
+            <a:p>
+              <a:endParaRPr lang="pt-BR"/>
+            </a:p>
+          </p:txBody>
         </p:sp>
       </p:grpSp>
-      <p:sp>
-        <p:nvSpPr>
-          <p:cNvPr id="8" name="Freeform 8"/>
-          <p:cNvSpPr/>
-          <p:nvPr/>
-        </p:nvSpPr>
-        <p:spPr>
-          <a:xfrm>
-            <a:off x="9144000" y="2340184"/>
-            <a:ext cx="3813215" cy="6918116"/>
-          </a:xfrm>
-          <a:custGeom>
-            <a:avLst/>
-            <a:gdLst/>
-            <a:ahLst/>
-            <a:cxnLst/>
-            <a:rect l="l" t="t" r="r" b="b"/>
-            <a:pathLst>
-              <a:path w="3813215" h="6918116">
-                <a:moveTo>
-                  <a:pt x="0" y="0"/>
-                </a:moveTo>
-                <a:lnTo>
-                  <a:pt x="3813215" y="0"/>
-                </a:lnTo>
-                <a:lnTo>
-                  <a:pt x="3813215" y="6918116"/>
-                </a:lnTo>
-                <a:lnTo>
-                  <a:pt x="0" y="6918116"/>
-                </a:lnTo>
-                <a:lnTo>
-                  <a:pt x="0" y="0"/>
-                </a:lnTo>
-                <a:close/>
-              </a:path>
-            </a:pathLst>
-          </a:custGeom>
-          <a:blipFill>
-            <a:blip r:embed="rId2"/>
-            <a:stretch>
-              <a:fillRect l="-4984" t="-686" r="-1246" b="-3090"/>
-            </a:stretch>
-          </a:blipFill>
-        </p:spPr>
-      </p:sp>
       <p:sp>
         <p:nvSpPr>
           <p:cNvPr id="9" name="TextBox 9"/>
@@ -3883,15 +3956,15 @@
               <a:t> </a:t>
             </a:r>
             <a:r>
-              <a:rPr lang="en-US" sz="3500" spc="350" dirty="0" err="1">
-                <a:solidFill>
-                  <a:srgbClr val="000000"/>
-                </a:solidFill>
-                <a:latin typeface="Lato"/>
-              </a:rPr>
-              <a:t>form.dart</a:t>
-            </a:r>
-            <a:endParaRPr lang="en-US" sz="3500" u="sng" spc="350" dirty="0" err="1">
+              <a:rPr lang="en-US" sz="3500" b="1" spc="350" dirty="0" err="1">
+                <a:solidFill>
+                  <a:srgbClr val="000000"/>
+                </a:solidFill>
+                <a:latin typeface="Lato"/>
+              </a:rPr>
+              <a:t>eventoForm.dart</a:t>
+            </a:r>
+            <a:endParaRPr lang="en-US" sz="3500" b="1" u="sng" spc="350" dirty="0">
               <a:solidFill>
                 <a:srgbClr val="5271FF"/>
               </a:solidFill>
@@ -3902,6 +3975,36 @@
           </a:p>
         </p:txBody>
       </p:sp>
+      <p:pic>
+        <p:nvPicPr>
+          <p:cNvPr id="12" name="Imagem 11">
+            <a:extLst>
+              <a:ext uri="{FF2B5EF4-FFF2-40B4-BE49-F238E27FC236}">
+                <a16:creationId xmlns:a16="http://schemas.microsoft.com/office/drawing/2014/main" id="{2567C14C-1300-C03F-58D5-8B5C27AC8B59}"/>
+              </a:ext>
+            </a:extLst>
+          </p:cNvPr>
+          <p:cNvPicPr>
+            <a:picLocks noChangeAspect="1"/>
+          </p:cNvPicPr>
+          <p:nvPr/>
+        </p:nvPicPr>
+        <p:blipFill>
+          <a:blip r:embed="rId2"/>
+          <a:stretch>
+            <a:fillRect/>
+          </a:stretch>
+        </p:blipFill>
+        <p:spPr>
+          <a:xfrm>
+            <a:off x="2437827" y="3956894"/>
+            <a:ext cx="8726118" cy="5325218"/>
+          </a:xfrm>
+          <a:prstGeom prst="rect">
+            <a:avLst/>
+          </a:prstGeom>
+        </p:spPr>
+      </p:pic>
     </p:spTree>
   </p:cSld>
   <p:clrMapOvr>
@@ -4301,6 +4404,13 @@
               <a:srgbClr val="2B4A9D"/>
             </a:solidFill>
           </p:spPr>
+          <p:txBody>
+            <a:bodyPr/>
+            <a:lstStyle/>
+            <a:p>
+              <a:endParaRPr lang="pt-BR"/>
+            </a:p>
+          </p:txBody>
         </p:sp>
       </p:grpSp>
     </p:spTree>
@@ -4381,6 +4491,13 @@
               <a:srgbClr val="2B4A9D"/>
             </a:solidFill>
           </p:spPr>
+          <p:txBody>
+            <a:bodyPr/>
+            <a:lstStyle/>
+            <a:p>
+              <a:endParaRPr lang="pt-BR"/>
+            </a:p>
+          </p:txBody>
         </p:sp>
       </p:grpSp>
       <p:grpSp>
@@ -4436,6 +4553,13 @@
               <a:srgbClr val="2B4A9D"/>
             </a:solidFill>
           </p:spPr>
+          <p:txBody>
+            <a:bodyPr/>
+            <a:lstStyle/>
+            <a:p>
+              <a:endParaRPr lang="pt-BR"/>
+            </a:p>
+          </p:txBody>
         </p:sp>
       </p:grpSp>
       <p:grpSp>
@@ -4510,6 +4634,13 @@
               <a:srgbClr val="FFFFFF"/>
             </a:solidFill>
           </p:spPr>
+          <p:txBody>
+            <a:bodyPr/>
+            <a:lstStyle/>
+            <a:p>
+              <a:endParaRPr lang="pt-BR"/>
+            </a:p>
+          </p:txBody>
         </p:sp>
       </p:grpSp>
       <p:grpSp>
@@ -4584,6 +4715,13 @@
               <a:srgbClr val="2B4A9D"/>
             </a:solidFill>
           </p:spPr>
+          <p:txBody>
+            <a:bodyPr/>
+            <a:lstStyle/>
+            <a:p>
+              <a:endParaRPr lang="pt-BR"/>
+            </a:p>
+          </p:txBody>
         </p:sp>
       </p:grpSp>
       <p:grpSp>
@@ -4658,6 +4796,13 @@
               <a:srgbClr val="2B4A9D"/>
             </a:solidFill>
           </p:spPr>
+          <p:txBody>
+            <a:bodyPr/>
+            <a:lstStyle/>
+            <a:p>
+              <a:endParaRPr lang="pt-BR"/>
+            </a:p>
+          </p:txBody>
         </p:sp>
       </p:grpSp>
       <p:grpSp>
@@ -4738,6 +4883,13 @@
               <a:srgbClr val="2B4A9D"/>
             </a:solidFill>
           </p:spPr>
+          <p:txBody>
+            <a:bodyPr/>
+            <a:lstStyle/>
+            <a:p>
+              <a:endParaRPr lang="pt-BR"/>
+            </a:p>
+          </p:txBody>
         </p:sp>
       </p:grpSp>
       <p:sp>
@@ -4856,6 +5008,13 @@
               <a:srgbClr val="2B4A9D"/>
             </a:solidFill>
           </p:spPr>
+          <p:txBody>
+            <a:bodyPr/>
+            <a:lstStyle/>
+            <a:p>
+              <a:endParaRPr lang="pt-BR"/>
+            </a:p>
+          </p:txBody>
         </p:sp>
       </p:grpSp>
       <p:grpSp>
@@ -4936,6 +5095,13 @@
               <a:srgbClr val="2B4A9D"/>
             </a:solidFill>
           </p:spPr>
+          <p:txBody>
+            <a:bodyPr/>
+            <a:lstStyle/>
+            <a:p>
+              <a:endParaRPr lang="pt-BR"/>
+            </a:p>
+          </p:txBody>
         </p:sp>
       </p:grpSp>
       <p:grpSp>
@@ -5016,6 +5182,13 @@
               <a:srgbClr val="2B4A9D"/>
             </a:solidFill>
           </p:spPr>
+          <p:txBody>
+            <a:bodyPr/>
+            <a:lstStyle/>
+            <a:p>
+              <a:endParaRPr lang="pt-BR"/>
+            </a:p>
+          </p:txBody>
         </p:sp>
       </p:grpSp>
       <p:sp>
@@ -5210,6 +5383,13 @@
               <a:srgbClr val="2B4A9D"/>
             </a:solidFill>
           </p:spPr>
+          <p:txBody>
+            <a:bodyPr/>
+            <a:lstStyle/>
+            <a:p>
+              <a:endParaRPr lang="pt-BR"/>
+            </a:p>
+          </p:txBody>
         </p:sp>
       </p:grpSp>
       <p:sp>
@@ -5366,6 +5546,13 @@
               <a:srgbClr val="2B4A9D"/>
             </a:solidFill>
           </p:spPr>
+          <p:txBody>
+            <a:bodyPr/>
+            <a:lstStyle/>
+            <a:p>
+              <a:endParaRPr lang="pt-BR"/>
+            </a:p>
+          </p:txBody>
         </p:sp>
       </p:grpSp>
       <p:grpSp>
@@ -5446,6 +5633,13 @@
               <a:srgbClr val="2B4A9D"/>
             </a:solidFill>
           </p:spPr>
+          <p:txBody>
+            <a:bodyPr/>
+            <a:lstStyle/>
+            <a:p>
+              <a:endParaRPr lang="pt-BR"/>
+            </a:p>
+          </p:txBody>
         </p:sp>
       </p:grpSp>
       <p:sp>
@@ -5564,6 +5758,13 @@
               <a:srgbClr val="2B4A9D"/>
             </a:solidFill>
           </p:spPr>
+          <p:txBody>
+            <a:bodyPr/>
+            <a:lstStyle/>
+            <a:p>
+              <a:endParaRPr lang="pt-BR"/>
+            </a:p>
+          </p:txBody>
         </p:sp>
       </p:grpSp>
       <p:sp>
@@ -5682,6 +5883,13 @@
               <a:srgbClr val="2B4A9D"/>
             </a:solidFill>
           </p:spPr>
+          <p:txBody>
+            <a:bodyPr/>
+            <a:lstStyle/>
+            <a:p>
+              <a:endParaRPr lang="pt-BR"/>
+            </a:p>
+          </p:txBody>
         </p:sp>
       </p:grpSp>
       <p:sp>
@@ -6140,7 +6348,7 @@
       </p:sp>
       <p:pic>
         <p:nvPicPr>
-          <p:cNvPr id="11" name="Imagem 10" descr="Texto&#10;&#10;Descrição gerada automaticamente">
+          <p:cNvPr id="11" name="Imagem 10">
             <a:extLst>
               <a:ext uri="{FF2B5EF4-FFF2-40B4-BE49-F238E27FC236}">
                 <a16:creationId xmlns:a16="http://schemas.microsoft.com/office/drawing/2014/main" id="{43928D86-905B-480E-94D7-0500805BC830}"/>
@@ -6153,15 +6361,20 @@
           <p:nvPr/>
         </p:nvPicPr>
         <p:blipFill>
-          <a:blip r:embed="rId2"/>
-          <a:stretch>
-            <a:fillRect/>
-          </a:stretch>
+          <a:blip r:embed="rId2">
+            <a:extLst>
+              <a:ext uri="{28A0092B-C50C-407E-A947-70E740481C1C}">
+                <a14:useLocalDpi xmlns:a14="http://schemas.microsoft.com/office/drawing/2010/main" val="0"/>
+              </a:ext>
+            </a:extLst>
+          </a:blip>
+          <a:srcRect/>
+          <a:stretch/>
         </p:blipFill>
         <p:spPr>
           <a:xfrm>
-            <a:off x="5289979" y="3869596"/>
-            <a:ext cx="7816163" cy="6285727"/>
+            <a:off x="5289979" y="4663157"/>
+            <a:ext cx="7816163" cy="4698605"/>
           </a:xfrm>
           <a:prstGeom prst="rect">
             <a:avLst/>
@@ -6246,6 +6459,13 @@
               <a:srgbClr val="2B4A9D"/>
             </a:solidFill>
           </p:spPr>
+          <p:txBody>
+            <a:bodyPr/>
+            <a:lstStyle/>
+            <a:p>
+              <a:endParaRPr lang="pt-BR"/>
+            </a:p>
+          </p:txBody>
         </p:sp>
       </p:grpSp>
       <p:sp>
@@ -6328,10 +6548,10 @@
       </p:sp>
       <p:pic>
         <p:nvPicPr>
-          <p:cNvPr id="10" name="Imagem 9" descr="Texto&#10;&#10;Descrição gerada automaticamente">
+          <p:cNvPr id="7" name="Imagem 6">
             <a:extLst>
               <a:ext uri="{FF2B5EF4-FFF2-40B4-BE49-F238E27FC236}">
-                <a16:creationId xmlns:a16="http://schemas.microsoft.com/office/drawing/2014/main" id="{F7276C62-7D7F-C2C4-0441-B37D6DC0600D}"/>
+                <a16:creationId xmlns:a16="http://schemas.microsoft.com/office/drawing/2014/main" id="{2EF84BA5-D59B-41EA-3EDE-CCDD89D89D46}"/>
               </a:ext>
             </a:extLst>
           </p:cNvPr>
@@ -6348,8 +6568,8 @@
         </p:blipFill>
         <p:spPr>
           <a:xfrm>
-            <a:off x="9048879" y="1572655"/>
-            <a:ext cx="7990444" cy="8516379"/>
+            <a:off x="9372600" y="1966570"/>
+            <a:ext cx="7636969" cy="6353860"/>
           </a:xfrm>
           <a:prstGeom prst="rect">
             <a:avLst/>
@@ -6434,6 +6654,13 @@
               <a:srgbClr val="2B4A9D"/>
             </a:solidFill>
           </p:spPr>
+          <p:txBody>
+            <a:bodyPr/>
+            <a:lstStyle/>
+            <a:p>
+              <a:endParaRPr lang="pt-BR"/>
+            </a:p>
+          </p:txBody>
         </p:sp>
       </p:grpSp>
       <p:sp>
@@ -6980,6 +7207,13 @@
               <a:srgbClr val="2B4A9D"/>
             </a:solidFill>
           </p:spPr>
+          <p:txBody>
+            <a:bodyPr/>
+            <a:lstStyle/>
+            <a:p>
+              <a:endParaRPr lang="pt-BR"/>
+            </a:p>
+          </p:txBody>
         </p:sp>
       </p:grpSp>
       <p:sp>
@@ -7073,6 +7307,13 @@
               <a:srgbClr val="5271FF"/>
             </a:solidFill>
           </p:spPr>
+          <p:txBody>
+            <a:bodyPr/>
+            <a:lstStyle/>
+            <a:p>
+              <a:endParaRPr lang="pt-BR"/>
+            </a:p>
+          </p:txBody>
         </p:sp>
       </p:grpSp>
       <p:grpSp>
@@ -7147,11 +7388,18 @@
               <a:srgbClr val="FFFFFF"/>
             </a:solidFill>
           </p:spPr>
+          <p:txBody>
+            <a:bodyPr/>
+            <a:lstStyle/>
+            <a:p>
+              <a:endParaRPr lang="pt-BR"/>
+            </a:p>
+          </p:txBody>
         </p:sp>
       </p:grpSp>
       <p:pic>
         <p:nvPicPr>
-          <p:cNvPr id="10" name="Imagem 9" descr="Texto&#10;&#10;Descrição gerada automaticamente">
+          <p:cNvPr id="10" name="Imagem 9">
             <a:extLst>
               <a:ext uri="{FF2B5EF4-FFF2-40B4-BE49-F238E27FC236}">
                 <a16:creationId xmlns:a16="http://schemas.microsoft.com/office/drawing/2014/main" id="{A0B514DB-DE93-A79B-281A-932ADDB48490}"/>
@@ -7164,15 +7412,20 @@
           <p:nvPr/>
         </p:nvPicPr>
         <p:blipFill>
-          <a:blip r:embed="rId2"/>
-          <a:stretch>
-            <a:fillRect/>
-          </a:stretch>
+          <a:blip r:embed="rId2">
+            <a:extLst>
+              <a:ext uri="{28A0092B-C50C-407E-A947-70E740481C1C}">
+                <a14:useLocalDpi xmlns:a14="http://schemas.microsoft.com/office/drawing/2010/main" val="0"/>
+              </a:ext>
+            </a:extLst>
+          </a:blip>
+          <a:srcRect/>
+          <a:stretch/>
         </p:blipFill>
         <p:spPr>
           <a:xfrm>
-            <a:off x="739733" y="1944130"/>
-            <a:ext cx="12421887" cy="7958781"/>
+            <a:off x="1154393" y="1944130"/>
+            <a:ext cx="11592567" cy="7958781"/>
           </a:xfrm>
           <a:prstGeom prst="rect">
             <a:avLst/>
@@ -7257,6 +7510,13 @@
               <a:srgbClr val="2B4A9D"/>
             </a:solidFill>
           </p:spPr>
+          <p:txBody>
+            <a:bodyPr/>
+            <a:lstStyle/>
+            <a:p>
+              <a:endParaRPr lang="pt-BR"/>
+            </a:p>
+          </p:txBody>
         </p:sp>
       </p:grpSp>
       <p:sp>
@@ -7305,8 +7565,8 @@
         </p:nvSpPr>
         <p:spPr>
           <a:xfrm>
-            <a:off x="363028" y="2285321"/>
-            <a:ext cx="8780972" cy="7416800"/>
+            <a:off x="363028" y="2019300"/>
+            <a:ext cx="8780972" cy="5593904"/>
           </a:xfrm>
           <a:prstGeom prst="rect">
             <a:avLst/>
@@ -7326,13 +7586,148 @@
               <a:buChar char="•"/>
             </a:pPr>
             <a:r>
-              <a:rPr lang="en-US" sz="3500" spc="350">
-                <a:solidFill>
-                  <a:srgbClr val="000000"/>
-                </a:solidFill>
-                <a:latin typeface="Lato"/>
-              </a:rPr>
-              <a:t>Adicione um botão de envio no final do formulário. Você pode usar um “ElevatedButton” para isso.</a:t>
+              <a:rPr lang="en-US" sz="3500" spc="350" dirty="0" err="1">
+                <a:solidFill>
+                  <a:srgbClr val="000000"/>
+                </a:solidFill>
+                <a:latin typeface="Lato"/>
+              </a:rPr>
+              <a:t>Adicione</a:t>
+            </a:r>
+            <a:r>
+              <a:rPr lang="en-US" sz="3500" spc="350" dirty="0">
+                <a:solidFill>
+                  <a:srgbClr val="000000"/>
+                </a:solidFill>
+                <a:latin typeface="Lato"/>
+              </a:rPr>
+              <a:t> um </a:t>
+            </a:r>
+            <a:r>
+              <a:rPr lang="en-US" sz="3500" spc="350" dirty="0" err="1">
+                <a:solidFill>
+                  <a:srgbClr val="000000"/>
+                </a:solidFill>
+                <a:latin typeface="Lato"/>
+              </a:rPr>
+              <a:t>botão</a:t>
+            </a:r>
+            <a:r>
+              <a:rPr lang="en-US" sz="3500" spc="350" dirty="0">
+                <a:solidFill>
+                  <a:srgbClr val="000000"/>
+                </a:solidFill>
+                <a:latin typeface="Lato"/>
+              </a:rPr>
+              <a:t> de </a:t>
+            </a:r>
+            <a:r>
+              <a:rPr lang="en-US" sz="3500" spc="350" dirty="0" err="1">
+                <a:solidFill>
+                  <a:srgbClr val="000000"/>
+                </a:solidFill>
+                <a:latin typeface="Lato"/>
+              </a:rPr>
+              <a:t>envio</a:t>
+            </a:r>
+            <a:r>
+              <a:rPr lang="en-US" sz="3500" spc="350" dirty="0">
+                <a:solidFill>
+                  <a:srgbClr val="000000"/>
+                </a:solidFill>
+                <a:latin typeface="Lato"/>
+              </a:rPr>
+              <a:t> no final do </a:t>
+            </a:r>
+            <a:r>
+              <a:rPr lang="en-US" sz="3500" spc="350" dirty="0" err="1">
+                <a:solidFill>
+                  <a:srgbClr val="000000"/>
+                </a:solidFill>
+                <a:latin typeface="Lato"/>
+              </a:rPr>
+              <a:t>formulário</a:t>
+            </a:r>
+            <a:r>
+              <a:rPr lang="en-US" sz="3500" spc="350" dirty="0">
+                <a:solidFill>
+                  <a:srgbClr val="000000"/>
+                </a:solidFill>
+                <a:latin typeface="Lato"/>
+              </a:rPr>
+              <a:t>. </a:t>
+            </a:r>
+            <a:r>
+              <a:rPr lang="en-US" sz="3500" spc="350" dirty="0" err="1">
+                <a:solidFill>
+                  <a:srgbClr val="000000"/>
+                </a:solidFill>
+                <a:latin typeface="Lato"/>
+              </a:rPr>
+              <a:t>Você</a:t>
+            </a:r>
+            <a:r>
+              <a:rPr lang="en-US" sz="3500" spc="350" dirty="0">
+                <a:solidFill>
+                  <a:srgbClr val="000000"/>
+                </a:solidFill>
+                <a:latin typeface="Lato"/>
+              </a:rPr>
+              <a:t> </a:t>
+            </a:r>
+            <a:r>
+              <a:rPr lang="en-US" sz="3500" spc="350" dirty="0" err="1">
+                <a:solidFill>
+                  <a:srgbClr val="000000"/>
+                </a:solidFill>
+                <a:latin typeface="Lato"/>
+              </a:rPr>
+              <a:t>pode</a:t>
+            </a:r>
+            <a:r>
+              <a:rPr lang="en-US" sz="3500" spc="350" dirty="0">
+                <a:solidFill>
+                  <a:srgbClr val="000000"/>
+                </a:solidFill>
+                <a:latin typeface="Lato"/>
+              </a:rPr>
+              <a:t> usar um “</a:t>
+            </a:r>
+            <a:r>
+              <a:rPr lang="en-US" sz="3500" spc="350" dirty="0" err="1">
+                <a:solidFill>
+                  <a:srgbClr val="000000"/>
+                </a:solidFill>
+                <a:latin typeface="Lato"/>
+              </a:rPr>
+              <a:t>ElevatedButton</a:t>
+            </a:r>
+            <a:r>
+              <a:rPr lang="en-US" sz="3500" spc="350" dirty="0">
+                <a:solidFill>
+                  <a:srgbClr val="000000"/>
+                </a:solidFill>
+                <a:latin typeface="Lato"/>
+              </a:rPr>
+              <a:t>” para </a:t>
+            </a:r>
+            <a:r>
+              <a:rPr lang="en-US" sz="3500" spc="350" dirty="0" err="1">
+                <a:solidFill>
+                  <a:srgbClr val="000000"/>
+                </a:solidFill>
+                <a:latin typeface="Lato"/>
+              </a:rPr>
+              <a:t>isso</a:t>
+            </a:r>
+            <a:r>
+              <a:rPr lang="en-US" sz="3500" spc="350" dirty="0">
+                <a:solidFill>
+                  <a:srgbClr val="000000"/>
+                </a:solidFill>
+                <a:latin typeface="Lato"/>
+              </a:rPr>
+              <a:t>.</a:t>
             </a:r>
           </a:p>
           <a:p>
@@ -7344,23 +7739,266 @@
               <a:buChar char="•"/>
             </a:pPr>
             <a:r>
-              <a:rPr lang="en-US" sz="3500" spc="350">
-                <a:solidFill>
-                  <a:srgbClr val="000000"/>
-                </a:solidFill>
-                <a:latin typeface="Lato"/>
-              </a:rPr>
-              <a:t>Em seguida, adicione uma função para o evento onPressed do botão de envio. Essa função deve validar os campos de entrada e, se tudo estiver correto, enviar as informações do formulário para o servidor ou realizar qualquer outra ação desejada.</a:t>
+              <a:rPr lang="en-US" sz="3500" spc="350" dirty="0" err="1">
+                <a:solidFill>
+                  <a:srgbClr val="000000"/>
+                </a:solidFill>
+                <a:latin typeface="Lato"/>
+              </a:rPr>
+              <a:t>Não</a:t>
+            </a:r>
+            <a:r>
+              <a:rPr lang="en-US" sz="3500" spc="350" dirty="0">
+                <a:solidFill>
+                  <a:srgbClr val="000000"/>
+                </a:solidFill>
+                <a:latin typeface="Lato"/>
+              </a:rPr>
+              <a:t> </a:t>
+            </a:r>
+            <a:r>
+              <a:rPr lang="en-US" sz="3500" spc="350" dirty="0" err="1">
+                <a:solidFill>
+                  <a:srgbClr val="000000"/>
+                </a:solidFill>
+                <a:latin typeface="Lato"/>
+              </a:rPr>
+              <a:t>esqueça</a:t>
+            </a:r>
+            <a:r>
+              <a:rPr lang="en-US" sz="3500" spc="350" dirty="0">
+                <a:solidFill>
+                  <a:srgbClr val="000000"/>
+                </a:solidFill>
+                <a:latin typeface="Lato"/>
+              </a:rPr>
+              <a:t> de </a:t>
+            </a:r>
+            <a:r>
+              <a:rPr lang="en-US" sz="3500" spc="350" dirty="0" err="1">
+                <a:solidFill>
+                  <a:srgbClr val="000000"/>
+                </a:solidFill>
+                <a:latin typeface="Lato"/>
+              </a:rPr>
+              <a:t>adicionar</a:t>
+            </a:r>
+            <a:r>
+              <a:rPr lang="en-US" sz="3500" spc="350" dirty="0">
+                <a:solidFill>
+                  <a:srgbClr val="000000"/>
+                </a:solidFill>
+                <a:latin typeface="Lato"/>
+              </a:rPr>
+              <a:t> </a:t>
+            </a:r>
+            <a:r>
+              <a:rPr lang="en-US" sz="3500" spc="350" dirty="0" err="1">
+                <a:solidFill>
+                  <a:srgbClr val="000000"/>
+                </a:solidFill>
+                <a:latin typeface="Lato"/>
+              </a:rPr>
+              <a:t>validações</a:t>
+            </a:r>
+            <a:r>
+              <a:rPr lang="en-US" sz="3500" spc="350" dirty="0">
+                <a:solidFill>
+                  <a:srgbClr val="000000"/>
+                </a:solidFill>
+                <a:latin typeface="Lato"/>
+              </a:rPr>
+              <a:t> no </a:t>
+            </a:r>
+            <a:r>
+              <a:rPr lang="en-US" sz="3500" spc="350" dirty="0" err="1">
+                <a:solidFill>
+                  <a:srgbClr val="000000"/>
+                </a:solidFill>
+                <a:latin typeface="Lato"/>
+              </a:rPr>
+              <a:t>seu</a:t>
+            </a:r>
+            <a:r>
+              <a:rPr lang="en-US" sz="3500" spc="350" dirty="0">
+                <a:solidFill>
+                  <a:srgbClr val="000000"/>
+                </a:solidFill>
+                <a:latin typeface="Lato"/>
+              </a:rPr>
+              <a:t> </a:t>
+            </a:r>
+            <a:r>
+              <a:rPr lang="en-US" sz="3500" spc="350" dirty="0" err="1">
+                <a:solidFill>
+                  <a:srgbClr val="000000"/>
+                </a:solidFill>
+                <a:latin typeface="Lato"/>
+              </a:rPr>
+              <a:t>formulário</a:t>
+            </a:r>
+            <a:r>
+              <a:rPr lang="en-US" sz="3500" spc="350" dirty="0">
+                <a:solidFill>
+                  <a:srgbClr val="000000"/>
+                </a:solidFill>
+                <a:latin typeface="Lato"/>
+              </a:rPr>
+              <a:t>. No </a:t>
+            </a:r>
+            <a:r>
+              <a:rPr lang="en-US" sz="3500" spc="350" dirty="0" err="1">
+                <a:solidFill>
+                  <a:srgbClr val="000000"/>
+                </a:solidFill>
+                <a:latin typeface="Lato"/>
+              </a:rPr>
+              <a:t>exemplo</a:t>
+            </a:r>
+            <a:r>
+              <a:rPr lang="en-US" sz="3500" spc="350" dirty="0">
+                <a:solidFill>
+                  <a:srgbClr val="000000"/>
+                </a:solidFill>
+                <a:latin typeface="Lato"/>
+              </a:rPr>
+              <a:t> </a:t>
+            </a:r>
+            <a:r>
+              <a:rPr lang="en-US" sz="3500" spc="350" dirty="0" err="1">
+                <a:solidFill>
+                  <a:srgbClr val="000000"/>
+                </a:solidFill>
+                <a:latin typeface="Lato"/>
+              </a:rPr>
+              <a:t>presente</a:t>
+            </a:r>
+            <a:r>
+              <a:rPr lang="en-US" sz="3500" spc="350" dirty="0">
+                <a:solidFill>
+                  <a:srgbClr val="000000"/>
+                </a:solidFill>
+                <a:latin typeface="Lato"/>
+              </a:rPr>
+              <a:t> no </a:t>
+            </a:r>
+            <a:r>
+              <a:rPr lang="en-US" sz="3500" spc="350" dirty="0" err="1">
+                <a:solidFill>
+                  <a:srgbClr val="000000"/>
+                </a:solidFill>
+                <a:latin typeface="Lato"/>
+              </a:rPr>
+              <a:t>projeto</a:t>
+            </a:r>
+            <a:r>
+              <a:rPr lang="en-US" sz="3500" spc="350" dirty="0">
+                <a:solidFill>
+                  <a:srgbClr val="000000"/>
+                </a:solidFill>
+                <a:latin typeface="Lato"/>
+              </a:rPr>
+              <a:t>, </a:t>
+            </a:r>
+            <a:r>
+              <a:rPr lang="en-US" sz="3500" spc="350" dirty="0" err="1">
+                <a:solidFill>
+                  <a:srgbClr val="000000"/>
+                </a:solidFill>
+                <a:latin typeface="Lato"/>
+              </a:rPr>
+              <a:t>os</a:t>
+            </a:r>
+            <a:r>
+              <a:rPr lang="en-US" sz="3500" spc="350" dirty="0">
+                <a:solidFill>
+                  <a:srgbClr val="000000"/>
+                </a:solidFill>
+                <a:latin typeface="Lato"/>
+              </a:rPr>
+              <a:t> campos </a:t>
+            </a:r>
+            <a:r>
+              <a:rPr lang="en-US" sz="3500" spc="350" dirty="0" err="1">
+                <a:solidFill>
+                  <a:srgbClr val="000000"/>
+                </a:solidFill>
+                <a:latin typeface="Lato"/>
+              </a:rPr>
+              <a:t>são</a:t>
+            </a:r>
+            <a:r>
+              <a:rPr lang="en-US" sz="3500" spc="350" dirty="0">
+                <a:solidFill>
+                  <a:srgbClr val="000000"/>
+                </a:solidFill>
+                <a:latin typeface="Lato"/>
+              </a:rPr>
+              <a:t> </a:t>
+            </a:r>
+            <a:r>
+              <a:rPr lang="en-US" sz="3500" spc="350" dirty="0" err="1">
+                <a:solidFill>
+                  <a:srgbClr val="000000"/>
+                </a:solidFill>
+                <a:latin typeface="Lato"/>
+              </a:rPr>
+              <a:t>validados</a:t>
+            </a:r>
+            <a:r>
+              <a:rPr lang="en-US" sz="3500" spc="350" dirty="0">
+                <a:solidFill>
+                  <a:srgbClr val="000000"/>
+                </a:solidFill>
+                <a:latin typeface="Lato"/>
+              </a:rPr>
+              <a:t> antes do </a:t>
+            </a:r>
+            <a:r>
+              <a:rPr lang="en-US" sz="3500" spc="350" dirty="0" err="1">
+                <a:solidFill>
+                  <a:srgbClr val="000000"/>
+                </a:solidFill>
+                <a:latin typeface="Lato"/>
+              </a:rPr>
+              <a:t>envio</a:t>
+            </a:r>
+            <a:r>
+              <a:rPr lang="en-US" sz="3500" spc="350" dirty="0">
+                <a:solidFill>
+                  <a:srgbClr val="000000"/>
+                </a:solidFill>
+                <a:latin typeface="Lato"/>
+              </a:rPr>
+              <a:t> do </a:t>
+            </a:r>
+            <a:r>
+              <a:rPr lang="en-US" sz="3500" spc="350" dirty="0" err="1">
+                <a:solidFill>
+                  <a:srgbClr val="000000"/>
+                </a:solidFill>
+                <a:latin typeface="Lato"/>
+              </a:rPr>
+              <a:t>formulário</a:t>
+            </a:r>
+            <a:r>
+              <a:rPr lang="en-US" sz="3500" spc="350" dirty="0">
+                <a:solidFill>
+                  <a:srgbClr val="000000"/>
+                </a:solidFill>
+                <a:latin typeface="Lato"/>
+              </a:rPr>
+              <a:t>.</a:t>
             </a:r>
           </a:p>
         </p:txBody>
       </p:sp>
       <p:pic>
         <p:nvPicPr>
-          <p:cNvPr id="10" name="Imagem 9" descr="Texto&#10;&#10;Descrição gerada automaticamente">
+          <p:cNvPr id="7" name="Imagem 6">
             <a:extLst>
               <a:ext uri="{FF2B5EF4-FFF2-40B4-BE49-F238E27FC236}">
-                <a16:creationId xmlns:a16="http://schemas.microsoft.com/office/drawing/2014/main" id="{3D3BE7E6-DE37-4F43-265B-300260CDD56B}"/>
+                <a16:creationId xmlns:a16="http://schemas.microsoft.com/office/drawing/2014/main" id="{2A587E0D-BBF5-8BA7-2934-DEAB1FA70276}"/>
               </a:ext>
             </a:extLst>
           </p:cNvPr>
@@ -7377,8 +8015,8 @@
         </p:blipFill>
         <p:spPr>
           <a:xfrm>
-            <a:off x="9763511" y="3735988"/>
-            <a:ext cx="7596058" cy="3664550"/>
+            <a:off x="10363200" y="3619319"/>
+            <a:ext cx="6993301" cy="3048362"/>
           </a:xfrm>
           <a:prstGeom prst="rect">
             <a:avLst/>
@@ -7463,6 +8101,13 @@
               <a:srgbClr val="2B4A9D"/>
             </a:solidFill>
           </p:spPr>
+          <p:txBody>
+            <a:bodyPr/>
+            <a:lstStyle/>
+            <a:p>
+              <a:endParaRPr lang="pt-BR"/>
+            </a:p>
+          </p:txBody>
         </p:sp>
       </p:grpSp>
       <p:sp>
@@ -7574,7 +8219,7 @@
                 </a:solidFill>
                 <a:latin typeface="Lato"/>
               </a:rPr>
-              <a:t> campos de entrada, use o </a:t>
+              <a:t> campos de entrada, </a:t>
             </a:r>
             <a:r>
               <a:rPr lang="en-US" sz="3300" spc="330" dirty="0" err="1">
@@ -7583,6 +8228,24 @@
                 </a:solidFill>
                 <a:latin typeface="Lato"/>
               </a:rPr>
+              <a:t>usaremos</a:t>
+            </a:r>
+            <a:r>
+              <a:rPr lang="en-US" sz="3300" spc="330" dirty="0">
+                <a:solidFill>
+                  <a:srgbClr val="000000"/>
+                </a:solidFill>
+                <a:latin typeface="Lato"/>
+              </a:rPr>
+              <a:t> o </a:t>
+            </a:r>
+            <a:r>
+              <a:rPr lang="en-US" sz="3300" spc="330" dirty="0" err="1">
+                <a:solidFill>
+                  <a:srgbClr val="000000"/>
+                </a:solidFill>
+                <a:latin typeface="Lato"/>
+              </a:rPr>
               <a:t>método</a:t>
             </a:r>
             <a:r>
@@ -7592,7 +8255,7 @@
                 </a:solidFill>
                 <a:latin typeface="Lato"/>
               </a:rPr>
-              <a:t> “validate()” no “</a:t>
+              <a:t> “validate” no “</a:t>
             </a:r>
             <a:r>
               <a:rPr lang="en-US" sz="3300" spc="330" dirty="0" err="1">
@@ -8031,10 +8694,10 @@
       </p:sp>
       <p:pic>
         <p:nvPicPr>
-          <p:cNvPr id="11" name="Imagem 10" descr="Texto&#10;&#10;Descrição gerada automaticamente">
+          <p:cNvPr id="7" name="Imagem 6">
             <a:extLst>
               <a:ext uri="{FF2B5EF4-FFF2-40B4-BE49-F238E27FC236}">
-                <a16:creationId xmlns:a16="http://schemas.microsoft.com/office/drawing/2014/main" id="{D5B50796-DA70-AC16-8EBF-651B8336F815}"/>
+                <a16:creationId xmlns:a16="http://schemas.microsoft.com/office/drawing/2014/main" id="{CB47FD8E-22D3-C074-D464-CCC3C1A18B45}"/>
               </a:ext>
             </a:extLst>
           </p:cNvPr>
@@ -8051,8 +8714,8 @@
         </p:blipFill>
         <p:spPr>
           <a:xfrm>
-            <a:off x="9735452" y="3256520"/>
-            <a:ext cx="7961097" cy="4330013"/>
+            <a:off x="10210800" y="3524061"/>
+            <a:ext cx="6956744" cy="3238878"/>
           </a:xfrm>
           <a:prstGeom prst="rect">
             <a:avLst/>
@@ -8137,6 +8800,13 @@
               <a:srgbClr val="2B4A9D"/>
             </a:solidFill>
           </p:spPr>
+          <p:txBody>
+            <a:bodyPr/>
+            <a:lstStyle/>
+            <a:p>
+              <a:endParaRPr lang="pt-BR"/>
+            </a:p>
+          </p:txBody>
         </p:sp>
       </p:grpSp>
       <p:sp>
@@ -8237,10 +8907,10 @@
       </p:sp>
       <p:pic>
         <p:nvPicPr>
-          <p:cNvPr id="10" name="Imagem 9" descr="Texto&#10;&#10;Descrição gerada automaticamente">
+          <p:cNvPr id="7" name="Imagem 6">
             <a:extLst>
               <a:ext uri="{FF2B5EF4-FFF2-40B4-BE49-F238E27FC236}">
-                <a16:creationId xmlns:a16="http://schemas.microsoft.com/office/drawing/2014/main" id="{1588CCD8-E48C-C1EC-7380-D44A914F07A7}"/>
+                <a16:creationId xmlns:a16="http://schemas.microsoft.com/office/drawing/2014/main" id="{716FB55E-E292-E341-1B3D-E3B81B5D8E3C}"/>
               </a:ext>
             </a:extLst>
           </p:cNvPr>
@@ -8257,8 +8927,8 @@
         </p:blipFill>
         <p:spPr>
           <a:xfrm>
-            <a:off x="1633796" y="4686814"/>
-            <a:ext cx="15113085" cy="4527720"/>
+            <a:off x="5095363" y="4634715"/>
+            <a:ext cx="8097274" cy="4825088"/>
           </a:xfrm>
           <a:prstGeom prst="rect">
             <a:avLst/>
